--- a/Presentations/DevMeetings/2013-05-09/Intro & dev Process.pptx
+++ b/Presentations/DevMeetings/2013-05-09/Intro & dev Process.pptx
@@ -5,14 +5,16 @@
     <p:sldMasterId id="2147483666" r:id="rId1"/>
   </p:sldMasterIdLst>
   <p:notesMasterIdLst>
-    <p:notesMasterId r:id="rId7"/>
+    <p:notesMasterId r:id="rId9"/>
   </p:notesMasterIdLst>
   <p:sldIdLst>
     <p:sldId id="256" r:id="rId2"/>
-    <p:sldId id="257" r:id="rId3"/>
-    <p:sldId id="258" r:id="rId4"/>
-    <p:sldId id="259" r:id="rId5"/>
-    <p:sldId id="260" r:id="rId6"/>
+    <p:sldId id="261" r:id="rId3"/>
+    <p:sldId id="257" r:id="rId4"/>
+    <p:sldId id="262" r:id="rId5"/>
+    <p:sldId id="258" r:id="rId6"/>
+    <p:sldId id="259" r:id="rId7"/>
+    <p:sldId id="260" r:id="rId8"/>
   </p:sldIdLst>
   <p:sldSz cx="9144000" cy="6858000" type="screen4x3"/>
   <p:notesSz cx="6858000" cy="9144000"/>
@@ -919,7 +921,7 @@
     </p:spTree>
     <p:extLst>
       <p:ext uri="{BB962C8B-B14F-4D97-AF65-F5344CB8AC3E}">
-        <p14:creationId xmlns:p14="http://schemas.microsoft.com/office/powerpoint/2010/main" val="445466234"/>
+        <p14:creationId xmlns:p14="http://schemas.microsoft.com/office/powerpoint/2010/main" val="2909807086"/>
       </p:ext>
     </p:extLst>
   </p:cSld>
@@ -1009,7 +1011,7 @@
     </p:spTree>
     <p:extLst>
       <p:ext uri="{BB962C8B-B14F-4D97-AF65-F5344CB8AC3E}">
-        <p14:creationId xmlns:p14="http://schemas.microsoft.com/office/powerpoint/2010/main" val="1256607984"/>
+        <p14:creationId xmlns:p14="http://schemas.microsoft.com/office/powerpoint/2010/main" val="445466234"/>
       </p:ext>
     </p:extLst>
   </p:cSld>
@@ -1099,7 +1101,7 @@
     </p:spTree>
     <p:extLst>
       <p:ext uri="{BB962C8B-B14F-4D97-AF65-F5344CB8AC3E}">
-        <p14:creationId xmlns:p14="http://schemas.microsoft.com/office/powerpoint/2010/main" val="2863548704"/>
+        <p14:creationId xmlns:p14="http://schemas.microsoft.com/office/powerpoint/2010/main" val="462780214"/>
       </p:ext>
     </p:extLst>
   </p:cSld>
@@ -1181,6 +1183,186 @@
                 <a:defRPr/>
               </a:pPr>
               <a:t>5</a:t>
+            </a:fld>
+            <a:endParaRPr lang="en-GB"/>
+          </a:p>
+        </p:txBody>
+      </p:sp>
+    </p:spTree>
+    <p:extLst>
+      <p:ext uri="{BB962C8B-B14F-4D97-AF65-F5344CB8AC3E}">
+        <p14:creationId xmlns:p14="http://schemas.microsoft.com/office/powerpoint/2010/main" val="1256607984"/>
+      </p:ext>
+    </p:extLst>
+  </p:cSld>
+  <p:clrMapOvr>
+    <a:masterClrMapping/>
+  </p:clrMapOvr>
+</p:notes>
+</file>
+
+<file path=ppt/notesSlides/notesSlide6.xml><?xml version="1.0" encoding="utf-8"?>
+<p:notes xmlns:a="http://schemas.openxmlformats.org/drawingml/2006/main" xmlns:r="http://schemas.openxmlformats.org/officeDocument/2006/relationships" xmlns:p="http://schemas.openxmlformats.org/presentationml/2006/main">
+  <p:cSld>
+    <p:spTree>
+      <p:nvGrpSpPr>
+        <p:cNvPr id="1" name=""/>
+        <p:cNvGrpSpPr/>
+        <p:nvPr/>
+      </p:nvGrpSpPr>
+      <p:grpSpPr>
+        <a:xfrm>
+          <a:off x="0" y="0"/>
+          <a:ext cx="0" cy="0"/>
+          <a:chOff x="0" y="0"/>
+          <a:chExt cx="0" cy="0"/>
+        </a:xfrm>
+      </p:grpSpPr>
+      <p:sp>
+        <p:nvSpPr>
+          <p:cNvPr id="2" name="Slide Image Placeholder 1"/>
+          <p:cNvSpPr>
+            <a:spLocks noGrp="1" noRot="1" noChangeAspect="1"/>
+          </p:cNvSpPr>
+          <p:nvPr>
+            <p:ph type="sldImg"/>
+          </p:nvPr>
+        </p:nvSpPr>
+        <p:spPr/>
+      </p:sp>
+      <p:sp>
+        <p:nvSpPr>
+          <p:cNvPr id="3" name="Notes Placeholder 2"/>
+          <p:cNvSpPr>
+            <a:spLocks noGrp="1"/>
+          </p:cNvSpPr>
+          <p:nvPr>
+            <p:ph type="body" idx="1"/>
+          </p:nvPr>
+        </p:nvSpPr>
+        <p:spPr/>
+        <p:txBody>
+          <a:bodyPr/>
+          <a:lstStyle/>
+          <a:p>
+            <a:endParaRPr lang="en-GB"/>
+          </a:p>
+        </p:txBody>
+      </p:sp>
+      <p:sp>
+        <p:nvSpPr>
+          <p:cNvPr id="4" name="Slide Number Placeholder 3"/>
+          <p:cNvSpPr>
+            <a:spLocks noGrp="1"/>
+          </p:cNvSpPr>
+          <p:nvPr>
+            <p:ph type="sldNum" sz="quarter" idx="10"/>
+          </p:nvPr>
+        </p:nvSpPr>
+        <p:spPr/>
+        <p:txBody>
+          <a:bodyPr/>
+          <a:lstStyle/>
+          <a:p>
+            <a:pPr>
+              <a:defRPr/>
+            </a:pPr>
+            <a:fld id="{C5A6BFE7-F88E-47BC-8480-AE0877F66E26}" type="slidenum">
+              <a:rPr lang="en-GB" smtClean="0"/>
+              <a:pPr>
+                <a:defRPr/>
+              </a:pPr>
+              <a:t>6</a:t>
+            </a:fld>
+            <a:endParaRPr lang="en-GB"/>
+          </a:p>
+        </p:txBody>
+      </p:sp>
+    </p:spTree>
+    <p:extLst>
+      <p:ext uri="{BB962C8B-B14F-4D97-AF65-F5344CB8AC3E}">
+        <p14:creationId xmlns:p14="http://schemas.microsoft.com/office/powerpoint/2010/main" val="2863548704"/>
+      </p:ext>
+    </p:extLst>
+  </p:cSld>
+  <p:clrMapOvr>
+    <a:masterClrMapping/>
+  </p:clrMapOvr>
+</p:notes>
+</file>
+
+<file path=ppt/notesSlides/notesSlide7.xml><?xml version="1.0" encoding="utf-8"?>
+<p:notes xmlns:a="http://schemas.openxmlformats.org/drawingml/2006/main" xmlns:r="http://schemas.openxmlformats.org/officeDocument/2006/relationships" xmlns:p="http://schemas.openxmlformats.org/presentationml/2006/main">
+  <p:cSld>
+    <p:spTree>
+      <p:nvGrpSpPr>
+        <p:cNvPr id="1" name=""/>
+        <p:cNvGrpSpPr/>
+        <p:nvPr/>
+      </p:nvGrpSpPr>
+      <p:grpSpPr>
+        <a:xfrm>
+          <a:off x="0" y="0"/>
+          <a:ext cx="0" cy="0"/>
+          <a:chOff x="0" y="0"/>
+          <a:chExt cx="0" cy="0"/>
+        </a:xfrm>
+      </p:grpSpPr>
+      <p:sp>
+        <p:nvSpPr>
+          <p:cNvPr id="2" name="Slide Image Placeholder 1"/>
+          <p:cNvSpPr>
+            <a:spLocks noGrp="1" noRot="1" noChangeAspect="1"/>
+          </p:cNvSpPr>
+          <p:nvPr>
+            <p:ph type="sldImg"/>
+          </p:nvPr>
+        </p:nvSpPr>
+        <p:spPr/>
+      </p:sp>
+      <p:sp>
+        <p:nvSpPr>
+          <p:cNvPr id="3" name="Notes Placeholder 2"/>
+          <p:cNvSpPr>
+            <a:spLocks noGrp="1"/>
+          </p:cNvSpPr>
+          <p:nvPr>
+            <p:ph type="body" idx="1"/>
+          </p:nvPr>
+        </p:nvSpPr>
+        <p:spPr/>
+        <p:txBody>
+          <a:bodyPr/>
+          <a:lstStyle/>
+          <a:p>
+            <a:endParaRPr lang="en-GB"/>
+          </a:p>
+        </p:txBody>
+      </p:sp>
+      <p:sp>
+        <p:nvSpPr>
+          <p:cNvPr id="4" name="Slide Number Placeholder 3"/>
+          <p:cNvSpPr>
+            <a:spLocks noGrp="1"/>
+          </p:cNvSpPr>
+          <p:nvPr>
+            <p:ph type="sldNum" sz="quarter" idx="10"/>
+          </p:nvPr>
+        </p:nvSpPr>
+        <p:spPr/>
+        <p:txBody>
+          <a:bodyPr/>
+          <a:lstStyle/>
+          <a:p>
+            <a:pPr>
+              <a:defRPr/>
+            </a:pPr>
+            <a:fld id="{C5A6BFE7-F88E-47BC-8480-AE0877F66E26}" type="slidenum">
+              <a:rPr lang="en-GB" smtClean="0"/>
+              <a:pPr>
+                <a:defRPr/>
+              </a:pPr>
+              <a:t>7</a:t>
             </a:fld>
             <a:endParaRPr lang="en-GB"/>
           </a:p>
@@ -3449,7 +3631,6 @@
               <a:rPr lang="en-US" smtClean="0"/>
               <a:t>Click to edit Master title style</a:t>
             </a:r>
-            <a:endParaRPr lang="en-US" smtClean="0"/>
           </a:p>
         </p:txBody>
       </p:sp>
@@ -3536,7 +3717,6 @@
               <a:rPr lang="en-US" smtClean="0"/>
               <a:t>Fifth level</a:t>
             </a:r>
-            <a:endParaRPr lang="en-US" smtClean="0"/>
           </a:p>
         </p:txBody>
       </p:sp>
@@ -4045,7 +4225,6 @@
               <a:rPr lang="en-GB" sz="3600" dirty="0" smtClean="0"/>
               <a:t>Mantid Developer meeting</a:t>
             </a:r>
-            <a:endParaRPr lang="en-GB" sz="3600" dirty="0" smtClean="0"/>
           </a:p>
         </p:txBody>
       </p:sp>
@@ -4088,7 +4267,6 @@
               <a:rPr lang="en-GB" sz="1800" dirty="0" smtClean="0"/>
               <a:t> May 2013</a:t>
             </a:r>
-            <a:endParaRPr lang="en-GB" sz="1800" dirty="0" smtClean="0"/>
           </a:p>
         </p:txBody>
       </p:sp>
@@ -4141,7 +4319,7 @@
           <a:p>
             <a:r>
               <a:rPr lang="en-GB" dirty="0" smtClean="0"/>
-              <a:t>Release Summary</a:t>
+              <a:t>Agenda</a:t>
             </a:r>
             <a:endParaRPr lang="en-GB" dirty="0"/>
           </a:p>
@@ -4163,6 +4341,196 @@
           <a:lstStyle/>
           <a:p>
             <a:r>
+              <a:rPr lang="en-GB" dirty="0"/>
+              <a:t>Feedback on development processes (Nick + All)</a:t>
+            </a:r>
+          </a:p>
+          <a:p>
+            <a:r>
+              <a:rPr lang="en-GB" dirty="0"/>
+              <a:t>                How to Test Tickets (Russell)</a:t>
+            </a:r>
+          </a:p>
+          <a:p>
+            <a:r>
+              <a:rPr lang="en-GB" dirty="0"/>
+              <a:t>                Git refresher (Martyn)</a:t>
+            </a:r>
+          </a:p>
+          <a:p>
+            <a:r>
+              <a:rPr lang="en-GB" dirty="0" smtClean="0"/>
+              <a:t>Maintenance fortnight </a:t>
+            </a:r>
+            <a:r>
+              <a:rPr lang="en-GB" dirty="0"/>
+              <a:t>(Nick + All for suggestions)</a:t>
+            </a:r>
+          </a:p>
+          <a:p>
+            <a:r>
+              <a:rPr lang="en-GB" dirty="0"/>
+              <a:t>Design overview of script repository (Gesner / Nick)</a:t>
+            </a:r>
+          </a:p>
+          <a:p>
+            <a:r>
+              <a:rPr lang="en-GB" dirty="0" err="1"/>
+              <a:t>Wikimaker</a:t>
+            </a:r>
+            <a:r>
+              <a:rPr lang="en-GB" dirty="0"/>
+              <a:t> (Owen)</a:t>
+            </a:r>
+          </a:p>
+          <a:p>
+            <a:r>
+              <a:rPr lang="en-GB" dirty="0"/>
+              <a:t>Offline Help </a:t>
+            </a:r>
+            <a:r>
+              <a:rPr lang="en-GB" dirty="0" smtClean="0"/>
+              <a:t>(</a:t>
+            </a:r>
+            <a:r>
+              <a:rPr lang="en-GB" dirty="0"/>
+              <a:t>Peter)</a:t>
+            </a:r>
+          </a:p>
+          <a:p>
+            <a:r>
+              <a:rPr lang="en-GB" dirty="0"/>
+              <a:t>PV changes for VATES </a:t>
+            </a:r>
+            <a:r>
+              <a:rPr lang="en-GB" dirty="0" smtClean="0"/>
+              <a:t>(</a:t>
+            </a:r>
+            <a:r>
+              <a:rPr lang="en-GB" dirty="0"/>
+              <a:t>Michael)</a:t>
+            </a:r>
+          </a:p>
+          <a:p>
+            <a:r>
+              <a:rPr lang="en-GB" dirty="0"/>
+              <a:t>Instrument view – how to add guides </a:t>
+            </a:r>
+            <a:r>
+              <a:rPr lang="en-GB" dirty="0" err="1"/>
+              <a:t>etc</a:t>
+            </a:r>
+            <a:r>
+              <a:rPr lang="en-GB" dirty="0"/>
+              <a:t> (Roman)</a:t>
+            </a:r>
+          </a:p>
+          <a:p>
+            <a:r>
+              <a:rPr lang="en-GB" dirty="0" err="1" smtClean="0"/>
+              <a:t>SetSampleMaterial</a:t>
+            </a:r>
+            <a:r>
+              <a:rPr lang="en-GB" dirty="0" smtClean="0"/>
+              <a:t> </a:t>
+            </a:r>
+            <a:r>
+              <a:rPr lang="en-GB" dirty="0"/>
+              <a:t>+ absorption corrections (Peter)</a:t>
+            </a:r>
+          </a:p>
+          <a:p>
+            <a:r>
+              <a:rPr lang="en-GB" dirty="0" err="1"/>
+              <a:t>Sassena</a:t>
+            </a:r>
+            <a:r>
+              <a:rPr lang="en-GB" dirty="0"/>
+              <a:t> </a:t>
+            </a:r>
+            <a:r>
+              <a:rPr lang="en-GB" dirty="0" smtClean="0"/>
+              <a:t>(</a:t>
+            </a:r>
+            <a:r>
+              <a:rPr lang="en-GB" dirty="0"/>
+              <a:t>Jose)</a:t>
+            </a:r>
+          </a:p>
+          <a:p>
+            <a:endParaRPr lang="en-GB" dirty="0"/>
+          </a:p>
+        </p:txBody>
+      </p:sp>
+    </p:spTree>
+    <p:extLst>
+      <p:ext uri="{BB962C8B-B14F-4D97-AF65-F5344CB8AC3E}">
+        <p14:creationId xmlns:p14="http://schemas.microsoft.com/office/powerpoint/2010/main" val="2825884148"/>
+      </p:ext>
+    </p:extLst>
+  </p:cSld>
+  <p:clrMapOvr>
+    <a:masterClrMapping/>
+  </p:clrMapOvr>
+</p:sld>
+</file>
+
+<file path=ppt/slides/slide3.xml><?xml version="1.0" encoding="utf-8"?>
+<p:sld xmlns:a="http://schemas.openxmlformats.org/drawingml/2006/main" xmlns:r="http://schemas.openxmlformats.org/officeDocument/2006/relationships" xmlns:p="http://schemas.openxmlformats.org/presentationml/2006/main">
+  <p:cSld>
+    <p:spTree>
+      <p:nvGrpSpPr>
+        <p:cNvPr id="1" name=""/>
+        <p:cNvGrpSpPr/>
+        <p:nvPr/>
+      </p:nvGrpSpPr>
+      <p:grpSpPr>
+        <a:xfrm>
+          <a:off x="0" y="0"/>
+          <a:ext cx="0" cy="0"/>
+          <a:chOff x="0" y="0"/>
+          <a:chExt cx="0" cy="0"/>
+        </a:xfrm>
+      </p:grpSpPr>
+      <p:sp>
+        <p:nvSpPr>
+          <p:cNvPr id="2" name="Title 1"/>
+          <p:cNvSpPr>
+            <a:spLocks noGrp="1"/>
+          </p:cNvSpPr>
+          <p:nvPr>
+            <p:ph type="title"/>
+          </p:nvPr>
+        </p:nvSpPr>
+        <p:spPr/>
+        <p:txBody>
+          <a:bodyPr/>
+          <a:lstStyle/>
+          <a:p>
+            <a:r>
+              <a:rPr lang="en-GB" dirty="0" smtClean="0"/>
+              <a:t>Release Summary</a:t>
+            </a:r>
+            <a:endParaRPr lang="en-GB" dirty="0"/>
+          </a:p>
+        </p:txBody>
+      </p:sp>
+      <p:sp>
+        <p:nvSpPr>
+          <p:cNvPr id="3" name="Content Placeholder 2"/>
+          <p:cNvSpPr>
+            <a:spLocks noGrp="1"/>
+          </p:cNvSpPr>
+          <p:nvPr>
+            <p:ph idx="1"/>
+          </p:nvPr>
+        </p:nvSpPr>
+        <p:spPr/>
+        <p:txBody>
+          <a:bodyPr/>
+          <a:lstStyle/>
+          <a:p>
+            <a:r>
               <a:rPr lang="en-GB" dirty="0" smtClean="0"/>
               <a:t>13 weeks</a:t>
             </a:r>
@@ -4226,6 +4594,7 @@
               <a:rPr lang="en-GB" dirty="0" smtClean="0"/>
               <a:t>Release</a:t>
             </a:r>
+            <a:endParaRPr lang="en-GB" dirty="0" smtClean="0"/>
           </a:p>
           <a:p>
             <a:endParaRPr lang="en-GB" dirty="0" smtClean="0"/>
@@ -4366,16 +4735,6 @@
               </a:rPr>
               <a:t>5 Months</a:t>
             </a:r>
-            <a:endParaRPr kumimoji="0" lang="en-GB" sz="1800" b="1" i="0" u="none" strike="noStrike" cap="none" normalizeH="0" baseline="0" dirty="0" smtClean="0">
-              <a:ln>
-                <a:noFill/>
-              </a:ln>
-              <a:solidFill>
-                <a:schemeClr val="tx1"/>
-              </a:solidFill>
-              <a:effectLst/>
-              <a:latin typeface="Lucida Sans" pitchFamily="34" charset="0"/>
-            </a:endParaRPr>
           </a:p>
         </p:txBody>
       </p:sp>
@@ -4392,7 +4751,557 @@
 </p:sld>
 </file>
 
-<file path=ppt/slides/slide3.xml><?xml version="1.0" encoding="utf-8"?>
+<file path=ppt/slides/slide4.xml><?xml version="1.0" encoding="utf-8"?>
+<p:sld xmlns:a="http://schemas.openxmlformats.org/drawingml/2006/main" xmlns:r="http://schemas.openxmlformats.org/officeDocument/2006/relationships" xmlns:p="http://schemas.openxmlformats.org/presentationml/2006/main">
+  <p:cSld>
+    <p:spTree>
+      <p:nvGrpSpPr>
+        <p:cNvPr id="1" name=""/>
+        <p:cNvGrpSpPr/>
+        <p:nvPr/>
+      </p:nvGrpSpPr>
+      <p:grpSpPr>
+        <a:xfrm>
+          <a:off x="0" y="0"/>
+          <a:ext cx="0" cy="0"/>
+          <a:chOff x="0" y="0"/>
+          <a:chExt cx="0" cy="0"/>
+        </a:xfrm>
+      </p:grpSpPr>
+      <p:sp>
+        <p:nvSpPr>
+          <p:cNvPr id="4" name="Title 3"/>
+          <p:cNvSpPr>
+            <a:spLocks noGrp="1"/>
+          </p:cNvSpPr>
+          <p:nvPr>
+            <p:ph type="title"/>
+          </p:nvPr>
+        </p:nvSpPr>
+        <p:spPr/>
+        <p:txBody>
+          <a:bodyPr/>
+          <a:lstStyle/>
+          <a:p>
+            <a:r>
+              <a:rPr lang="en-GB" dirty="0" smtClean="0"/>
+              <a:t>Release Summary</a:t>
+            </a:r>
+            <a:endParaRPr lang="en-GB" dirty="0"/>
+          </a:p>
+        </p:txBody>
+      </p:sp>
+      <p:sp>
+        <p:nvSpPr>
+          <p:cNvPr id="3" name="Content Placeholder 2"/>
+          <p:cNvSpPr>
+            <a:spLocks noGrp="1"/>
+          </p:cNvSpPr>
+          <p:nvPr>
+            <p:ph sz="half" idx="1"/>
+          </p:nvPr>
+        </p:nvSpPr>
+        <p:spPr>
+          <a:xfrm>
+            <a:off x="457200" y="1239839"/>
+            <a:ext cx="4038600" cy="1757114"/>
+          </a:xfrm>
+        </p:spPr>
+        <p:txBody>
+          <a:bodyPr/>
+          <a:lstStyle/>
+          <a:p>
+            <a:r>
+              <a:rPr lang="en-GB" dirty="0" smtClean="0"/>
+              <a:t>Top Developer</a:t>
+            </a:r>
+            <a:endParaRPr lang="en-GB" dirty="0"/>
+          </a:p>
+        </p:txBody>
+      </p:sp>
+      <p:sp>
+        <p:nvSpPr>
+          <p:cNvPr id="5" name="Content Placeholder 4"/>
+          <p:cNvSpPr>
+            <a:spLocks noGrp="1"/>
+          </p:cNvSpPr>
+          <p:nvPr>
+            <p:ph sz="half" idx="2"/>
+          </p:nvPr>
+        </p:nvSpPr>
+        <p:spPr>
+          <a:xfrm>
+            <a:off x="4648200" y="1239839"/>
+            <a:ext cx="4038600" cy="1685106"/>
+          </a:xfrm>
+        </p:spPr>
+        <p:txBody>
+          <a:bodyPr/>
+          <a:lstStyle/>
+          <a:p>
+            <a:r>
+              <a:rPr lang="en-GB" dirty="0" smtClean="0"/>
+              <a:t>Top Tester</a:t>
+            </a:r>
+            <a:endParaRPr lang="en-GB" dirty="0"/>
+          </a:p>
+        </p:txBody>
+      </p:sp>
+      <p:pic>
+        <p:nvPicPr>
+          <p:cNvPr id="1026" name="Picture 2"/>
+          <p:cNvPicPr>
+            <a:picLocks noChangeAspect="1" noChangeArrowheads="1"/>
+          </p:cNvPicPr>
+          <p:nvPr/>
+        </p:nvPicPr>
+        <p:blipFill rotWithShape="1">
+          <a:blip r:embed="rId3">
+            <a:extLst>
+              <a:ext uri="{28A0092B-C50C-407E-A947-70E740481C1C}">
+                <a14:useLocalDpi xmlns:a14="http://schemas.microsoft.com/office/drawing/2010/main" val="0"/>
+              </a:ext>
+            </a:extLst>
+          </a:blip>
+          <a:srcRect l="1096" t="16726" r="23008" b="7624"/>
+          <a:stretch/>
+        </p:blipFill>
+        <p:spPr bwMode="auto">
+          <a:xfrm>
+            <a:off x="4932040" y="2769518"/>
+            <a:ext cx="3714903" cy="2391537"/>
+          </a:xfrm>
+          <a:prstGeom prst="rect">
+            <a:avLst/>
+          </a:prstGeom>
+          <a:noFill/>
+          <a:ln>
+            <a:noFill/>
+          </a:ln>
+          <a:effectLst/>
+          <a:extLst>
+            <a:ext uri="{909E8E84-426E-40DD-AFC4-6F175D3DCCD1}">
+              <a14:hiddenFill xmlns:a14="http://schemas.microsoft.com/office/drawing/2010/main">
+                <a:solidFill>
+                  <a:schemeClr val="accent1"/>
+                </a:solidFill>
+              </a14:hiddenFill>
+            </a:ext>
+            <a:ext uri="{91240B29-F687-4F45-9708-019B960494DF}">
+              <a14:hiddenLine xmlns:a14="http://schemas.microsoft.com/office/drawing/2010/main" w="9525">
+                <a:solidFill>
+                  <a:schemeClr val="tx1"/>
+                </a:solidFill>
+                <a:miter lim="800000"/>
+                <a:headEnd/>
+                <a:tailEnd/>
+              </a14:hiddenLine>
+            </a:ext>
+            <a:ext uri="{AF507438-7753-43E0-B8FC-AC1667EBCBE1}">
+              <a14:hiddenEffects xmlns:a14="http://schemas.microsoft.com/office/drawing/2010/main">
+                <a:effectLst>
+                  <a:outerShdw dist="35921" dir="2700000" algn="ctr" rotWithShape="0">
+                    <a:schemeClr val="bg2"/>
+                  </a:outerShdw>
+                </a:effectLst>
+              </a14:hiddenEffects>
+            </a:ext>
+          </a:extLst>
+        </p:spPr>
+      </p:pic>
+      <p:pic>
+        <p:nvPicPr>
+          <p:cNvPr id="1027" name="Picture 3"/>
+          <p:cNvPicPr>
+            <a:picLocks noChangeAspect="1" noChangeArrowheads="1"/>
+          </p:cNvPicPr>
+          <p:nvPr/>
+        </p:nvPicPr>
+        <p:blipFill rotWithShape="1">
+          <a:blip r:embed="rId4" cstate="print">
+            <a:extLst>
+              <a:ext uri="{28A0092B-C50C-407E-A947-70E740481C1C}">
+                <a14:useLocalDpi xmlns:a14="http://schemas.microsoft.com/office/drawing/2010/main" val="0"/>
+              </a:ext>
+            </a:extLst>
+          </a:blip>
+          <a:srcRect l="836" t="17515" r="20523" b="9334"/>
+          <a:stretch/>
+        </p:blipFill>
+        <p:spPr bwMode="auto">
+          <a:xfrm>
+            <a:off x="761650" y="2860766"/>
+            <a:ext cx="3655301" cy="2024475"/>
+          </a:xfrm>
+          <a:prstGeom prst="rect">
+            <a:avLst/>
+          </a:prstGeom>
+          <a:noFill/>
+          <a:ln>
+            <a:noFill/>
+          </a:ln>
+          <a:effectLst/>
+          <a:extLst>
+            <a:ext uri="{909E8E84-426E-40DD-AFC4-6F175D3DCCD1}">
+              <a14:hiddenFill xmlns:a14="http://schemas.microsoft.com/office/drawing/2010/main">
+                <a:solidFill>
+                  <a:schemeClr val="accent1"/>
+                </a:solidFill>
+              </a14:hiddenFill>
+            </a:ext>
+            <a:ext uri="{91240B29-F687-4F45-9708-019B960494DF}">
+              <a14:hiddenLine xmlns:a14="http://schemas.microsoft.com/office/drawing/2010/main" w="9525">
+                <a:solidFill>
+                  <a:schemeClr val="tx1"/>
+                </a:solidFill>
+                <a:miter lim="800000"/>
+                <a:headEnd/>
+                <a:tailEnd/>
+              </a14:hiddenLine>
+            </a:ext>
+            <a:ext uri="{AF507438-7753-43E0-B8FC-AC1667EBCBE1}">
+              <a14:hiddenEffects xmlns:a14="http://schemas.microsoft.com/office/drawing/2010/main">
+                <a:effectLst>
+                  <a:outerShdw dist="35921" dir="2700000" algn="ctr" rotWithShape="0">
+                    <a:schemeClr val="bg2"/>
+                  </a:outerShdw>
+                </a:effectLst>
+              </a14:hiddenEffects>
+            </a:ext>
+          </a:extLst>
+        </p:spPr>
+      </p:pic>
+      <p:pic>
+        <p:nvPicPr>
+          <p:cNvPr id="1029" name="Picture 5" descr="RussellTaylor.jpg"/>
+          <p:cNvPicPr>
+            <a:picLocks noChangeAspect="1" noChangeArrowheads="1"/>
+          </p:cNvPicPr>
+          <p:nvPr/>
+        </p:nvPicPr>
+        <p:blipFill>
+          <a:blip r:embed="rId5">
+            <a:extLst>
+              <a:ext uri="{28A0092B-C50C-407E-A947-70E740481C1C}">
+                <a14:useLocalDpi xmlns:a14="http://schemas.microsoft.com/office/drawing/2010/main" val="0"/>
+              </a:ext>
+            </a:extLst>
+          </a:blip>
+          <a:srcRect/>
+          <a:stretch>
+            <a:fillRect/>
+          </a:stretch>
+        </p:blipFill>
+        <p:spPr bwMode="auto">
+          <a:xfrm>
+            <a:off x="7164288" y="1340768"/>
+            <a:ext cx="952500" cy="1428750"/>
+          </a:xfrm>
+          <a:prstGeom prst="rect">
+            <a:avLst/>
+          </a:prstGeom>
+          <a:noFill/>
+          <a:extLst>
+            <a:ext uri="{909E8E84-426E-40DD-AFC4-6F175D3DCCD1}">
+              <a14:hiddenFill xmlns:a14="http://schemas.microsoft.com/office/drawing/2010/main">
+                <a:solidFill>
+                  <a:srgbClr val="FFFFFF"/>
+                </a:solidFill>
+              </a14:hiddenFill>
+            </a:ext>
+          </a:extLst>
+        </p:spPr>
+      </p:pic>
+      <p:pic>
+        <p:nvPicPr>
+          <p:cNvPr id="1031" name="Picture 7" descr="File:MartynGigg.jpg"/>
+          <p:cNvPicPr>
+            <a:picLocks noChangeAspect="1" noChangeArrowheads="1"/>
+          </p:cNvPicPr>
+          <p:nvPr/>
+        </p:nvPicPr>
+        <p:blipFill>
+          <a:blip r:embed="rId6">
+            <a:extLst>
+              <a:ext uri="{28A0092B-C50C-407E-A947-70E740481C1C}">
+                <a14:useLocalDpi xmlns:a14="http://schemas.microsoft.com/office/drawing/2010/main" val="0"/>
+              </a:ext>
+            </a:extLst>
+          </a:blip>
+          <a:srcRect/>
+          <a:stretch>
+            <a:fillRect/>
+          </a:stretch>
+        </p:blipFill>
+        <p:spPr bwMode="auto">
+          <a:xfrm>
+            <a:off x="3491880" y="1268760"/>
+            <a:ext cx="952500" cy="1428750"/>
+          </a:xfrm>
+          <a:prstGeom prst="rect">
+            <a:avLst/>
+          </a:prstGeom>
+          <a:noFill/>
+          <a:extLst>
+            <a:ext uri="{909E8E84-426E-40DD-AFC4-6F175D3DCCD1}">
+              <a14:hiddenFill xmlns:a14="http://schemas.microsoft.com/office/drawing/2010/main">
+                <a:solidFill>
+                  <a:srgbClr val="FFFFFF"/>
+                </a:solidFill>
+              </a14:hiddenFill>
+            </a:ext>
+          </a:extLst>
+        </p:spPr>
+      </p:pic>
+      <p:sp>
+        <p:nvSpPr>
+          <p:cNvPr id="12" name="Content Placeholder 2"/>
+          <p:cNvSpPr txBox="1">
+            <a:spLocks/>
+          </p:cNvSpPr>
+          <p:nvPr/>
+        </p:nvSpPr>
+        <p:spPr bwMode="auto">
+          <a:xfrm>
+            <a:off x="405780" y="4941168"/>
+            <a:ext cx="4166220" cy="1180951"/>
+          </a:xfrm>
+          <a:prstGeom prst="rect">
+            <a:avLst/>
+          </a:prstGeom>
+          <a:noFill/>
+          <a:ln>
+            <a:noFill/>
+          </a:ln>
+          <a:extLst>
+            <a:ext uri="{909E8E84-426E-40DD-AFC4-6F175D3DCCD1}">
+              <a14:hiddenFill xmlns:a14="http://schemas.microsoft.com/office/drawing/2010/main">
+                <a:solidFill>
+                  <a:srgbClr val="FFFFFF"/>
+                </a:solidFill>
+              </a14:hiddenFill>
+            </a:ext>
+            <a:ext uri="{91240B29-F687-4F45-9708-019B960494DF}">
+              <a14:hiddenLine xmlns:a14="http://schemas.microsoft.com/office/drawing/2010/main" w="9525">
+                <a:solidFill>
+                  <a:srgbClr val="000000"/>
+                </a:solidFill>
+                <a:miter lim="800000"/>
+                <a:headEnd/>
+                <a:tailEnd/>
+              </a14:hiddenLine>
+            </a:ext>
+          </a:extLst>
+        </p:spPr>
+        <p:txBody>
+          <a:bodyPr vert="horz" wrap="square" lIns="91440" tIns="45720" rIns="91440" bIns="45720" numCol="1" anchor="t" anchorCtr="0" compatLnSpc="1">
+            <a:prstTxWarp prst="textNoShape">
+              <a:avLst/>
+            </a:prstTxWarp>
+          </a:bodyPr>
+          <a:lstStyle>
+            <a:lvl1pPr marL="342900" indent="-342900" algn="l" rtl="0" eaLnBrk="1" fontAlgn="base" hangingPunct="1">
+              <a:spcBef>
+                <a:spcPct val="20000"/>
+              </a:spcBef>
+              <a:spcAft>
+                <a:spcPct val="0"/>
+              </a:spcAft>
+              <a:buChar char="•"/>
+              <a:defRPr sz="2800">
+                <a:solidFill>
+                  <a:schemeClr val="tx1"/>
+                </a:solidFill>
+                <a:latin typeface="+mn-lt"/>
+                <a:ea typeface="+mn-ea"/>
+                <a:cs typeface="+mn-cs"/>
+              </a:defRPr>
+            </a:lvl1pPr>
+            <a:lvl2pPr marL="742950" indent="-285750" algn="l" rtl="0" eaLnBrk="1" fontAlgn="base" hangingPunct="1">
+              <a:spcBef>
+                <a:spcPct val="20000"/>
+              </a:spcBef>
+              <a:spcAft>
+                <a:spcPct val="0"/>
+              </a:spcAft>
+              <a:buChar char="–"/>
+              <a:defRPr sz="2400">
+                <a:solidFill>
+                  <a:schemeClr val="tx1"/>
+                </a:solidFill>
+                <a:latin typeface="+mn-lt"/>
+              </a:defRPr>
+            </a:lvl2pPr>
+            <a:lvl3pPr marL="1143000" indent="-228600" algn="l" rtl="0" eaLnBrk="1" fontAlgn="base" hangingPunct="1">
+              <a:spcBef>
+                <a:spcPct val="20000"/>
+              </a:spcBef>
+              <a:spcAft>
+                <a:spcPct val="0"/>
+              </a:spcAft>
+              <a:buChar char="•"/>
+              <a:defRPr sz="2000">
+                <a:solidFill>
+                  <a:schemeClr val="tx1"/>
+                </a:solidFill>
+                <a:latin typeface="+mn-lt"/>
+              </a:defRPr>
+            </a:lvl3pPr>
+            <a:lvl4pPr marL="1600200" indent="-228600" algn="l" rtl="0" eaLnBrk="1" fontAlgn="base" hangingPunct="1">
+              <a:spcBef>
+                <a:spcPct val="20000"/>
+              </a:spcBef>
+              <a:spcAft>
+                <a:spcPct val="0"/>
+              </a:spcAft>
+              <a:buChar char="–"/>
+              <a:defRPr sz="1800">
+                <a:solidFill>
+                  <a:schemeClr val="tx1"/>
+                </a:solidFill>
+                <a:latin typeface="+mn-lt"/>
+              </a:defRPr>
+            </a:lvl4pPr>
+            <a:lvl5pPr marL="2057400" indent="-228600" algn="l" rtl="0" eaLnBrk="1" fontAlgn="base" hangingPunct="1">
+              <a:spcBef>
+                <a:spcPct val="20000"/>
+              </a:spcBef>
+              <a:spcAft>
+                <a:spcPct val="0"/>
+              </a:spcAft>
+              <a:buChar char="»"/>
+              <a:defRPr sz="1800">
+                <a:solidFill>
+                  <a:schemeClr val="tx1"/>
+                </a:solidFill>
+                <a:latin typeface="+mn-lt"/>
+              </a:defRPr>
+            </a:lvl5pPr>
+            <a:lvl6pPr marL="2514600" indent="-228600" algn="l" rtl="0" eaLnBrk="1" fontAlgn="base" hangingPunct="1">
+              <a:spcBef>
+                <a:spcPct val="20000"/>
+              </a:spcBef>
+              <a:spcAft>
+                <a:spcPct val="0"/>
+              </a:spcAft>
+              <a:buChar char="»"/>
+              <a:defRPr sz="1800">
+                <a:solidFill>
+                  <a:schemeClr val="tx1"/>
+                </a:solidFill>
+                <a:latin typeface="+mn-lt"/>
+              </a:defRPr>
+            </a:lvl6pPr>
+            <a:lvl7pPr marL="2971800" indent="-228600" algn="l" rtl="0" eaLnBrk="1" fontAlgn="base" hangingPunct="1">
+              <a:spcBef>
+                <a:spcPct val="20000"/>
+              </a:spcBef>
+              <a:spcAft>
+                <a:spcPct val="0"/>
+              </a:spcAft>
+              <a:buChar char="»"/>
+              <a:defRPr sz="1800">
+                <a:solidFill>
+                  <a:schemeClr val="tx1"/>
+                </a:solidFill>
+                <a:latin typeface="+mn-lt"/>
+              </a:defRPr>
+            </a:lvl7pPr>
+            <a:lvl8pPr marL="3429000" indent="-228600" algn="l" rtl="0" eaLnBrk="1" fontAlgn="base" hangingPunct="1">
+              <a:spcBef>
+                <a:spcPct val="20000"/>
+              </a:spcBef>
+              <a:spcAft>
+                <a:spcPct val="0"/>
+              </a:spcAft>
+              <a:buChar char="»"/>
+              <a:defRPr sz="1800">
+                <a:solidFill>
+                  <a:schemeClr val="tx1"/>
+                </a:solidFill>
+                <a:latin typeface="+mn-lt"/>
+              </a:defRPr>
+            </a:lvl8pPr>
+            <a:lvl9pPr marL="3886200" indent="-228600" algn="l" rtl="0" eaLnBrk="1" fontAlgn="base" hangingPunct="1">
+              <a:spcBef>
+                <a:spcPct val="20000"/>
+              </a:spcBef>
+              <a:spcAft>
+                <a:spcPct val="0"/>
+              </a:spcAft>
+              <a:buChar char="»"/>
+              <a:defRPr sz="1800">
+                <a:solidFill>
+                  <a:schemeClr val="tx1"/>
+                </a:solidFill>
+                <a:latin typeface="+mn-lt"/>
+              </a:defRPr>
+            </a:lvl9pPr>
+          </a:lstStyle>
+          <a:p>
+            <a:r>
+              <a:rPr lang="en-GB" b="0" kern="0" dirty="0" smtClean="0"/>
+              <a:t>Honourable Mention</a:t>
+            </a:r>
+            <a:endParaRPr lang="en-GB" b="0" kern="0" dirty="0"/>
+          </a:p>
+        </p:txBody>
+      </p:sp>
+      <p:pic>
+        <p:nvPicPr>
+          <p:cNvPr id="1033" name="Picture 9" descr="MichaelReuter.jpg"/>
+          <p:cNvPicPr>
+            <a:picLocks noChangeAspect="1" noChangeArrowheads="1"/>
+          </p:cNvPicPr>
+          <p:nvPr/>
+        </p:nvPicPr>
+        <p:blipFill>
+          <a:blip r:embed="rId7">
+            <a:extLst>
+              <a:ext uri="{28A0092B-C50C-407E-A947-70E740481C1C}">
+                <a14:useLocalDpi xmlns:a14="http://schemas.microsoft.com/office/drawing/2010/main" val="0"/>
+              </a:ext>
+            </a:extLst>
+          </a:blip>
+          <a:srcRect/>
+          <a:stretch>
+            <a:fillRect/>
+          </a:stretch>
+        </p:blipFill>
+        <p:spPr bwMode="auto">
+          <a:xfrm>
+            <a:off x="4455790" y="5085184"/>
+            <a:ext cx="952500" cy="1190625"/>
+          </a:xfrm>
+          <a:prstGeom prst="rect">
+            <a:avLst/>
+          </a:prstGeom>
+          <a:noFill/>
+          <a:extLst>
+            <a:ext uri="{909E8E84-426E-40DD-AFC4-6F175D3DCCD1}">
+              <a14:hiddenFill xmlns:a14="http://schemas.microsoft.com/office/drawing/2010/main">
+                <a:solidFill>
+                  <a:srgbClr val="FFFFFF"/>
+                </a:solidFill>
+              </a14:hiddenFill>
+            </a:ext>
+          </a:extLst>
+        </p:spPr>
+      </p:pic>
+    </p:spTree>
+    <p:extLst>
+      <p:ext uri="{BB962C8B-B14F-4D97-AF65-F5344CB8AC3E}">
+        <p14:creationId xmlns:p14="http://schemas.microsoft.com/office/powerpoint/2010/main" val="507056823"/>
+      </p:ext>
+    </p:extLst>
+  </p:cSld>
+  <p:clrMapOvr>
+    <a:masterClrMapping/>
+  </p:clrMapOvr>
+</p:sld>
+</file>
+
+<file path=ppt/slides/slide5.xml><?xml version="1.0" encoding="utf-8"?>
 <p:sld xmlns:a="http://schemas.openxmlformats.org/drawingml/2006/main" xmlns:r="http://schemas.openxmlformats.org/officeDocument/2006/relationships" xmlns:p="http://schemas.openxmlformats.org/presentationml/2006/main">
   <p:cSld>
     <p:spTree>
@@ -4493,7 +5402,7 @@
 </p:sld>
 </file>
 
-<file path=ppt/slides/slide4.xml><?xml version="1.0" encoding="utf-8"?>
+<file path=ppt/slides/slide6.xml><?xml version="1.0" encoding="utf-8"?>
 <p:sld xmlns:a="http://schemas.openxmlformats.org/drawingml/2006/main" xmlns:r="http://schemas.openxmlformats.org/officeDocument/2006/relationships" xmlns:p="http://schemas.openxmlformats.org/presentationml/2006/main">
   <p:cSld>
     <p:spTree>
@@ -4983,7 +5892,7 @@
 </p:sld>
 </file>
 
-<file path=ppt/slides/slide5.xml><?xml version="1.0" encoding="utf-8"?>
+<file path=ppt/slides/slide7.xml><?xml version="1.0" encoding="utf-8"?>
 <p:sld xmlns:a="http://schemas.openxmlformats.org/drawingml/2006/main" xmlns:r="http://schemas.openxmlformats.org/officeDocument/2006/relationships" xmlns:p="http://schemas.openxmlformats.org/presentationml/2006/main">
   <p:cSld>
     <p:spTree>
